--- a/신소연/화면설계서_20231017_신소연.pptx
+++ b/신소연/화면설계서_20231017_신소연.pptx
@@ -264,7 +264,7 @@
           <a:p>
             <a:fld id="{08E69DE2-6C1C-4A40-BD90-B4AB1943553E}" type="datetimeFigureOut">
               <a:rPr lang="ko-KR" altLang="en-US" smtClean="0"/>
-              <a:t>2023-10-19</a:t>
+              <a:t>2024-01-23</a:t>
             </a:fld>
             <a:endParaRPr lang="ko-KR" altLang="en-US"/>
           </a:p>
@@ -434,7 +434,7 @@
           <a:p>
             <a:fld id="{08E69DE2-6C1C-4A40-BD90-B4AB1943553E}" type="datetimeFigureOut">
               <a:rPr lang="ko-KR" altLang="en-US" smtClean="0"/>
-              <a:t>2023-10-19</a:t>
+              <a:t>2024-01-23</a:t>
             </a:fld>
             <a:endParaRPr lang="ko-KR" altLang="en-US"/>
           </a:p>
@@ -614,7 +614,7 @@
           <a:p>
             <a:fld id="{08E69DE2-6C1C-4A40-BD90-B4AB1943553E}" type="datetimeFigureOut">
               <a:rPr lang="ko-KR" altLang="en-US" smtClean="0"/>
-              <a:t>2023-10-19</a:t>
+              <a:t>2024-01-23</a:t>
             </a:fld>
             <a:endParaRPr lang="ko-KR" altLang="en-US"/>
           </a:p>
@@ -784,7 +784,7 @@
           <a:p>
             <a:fld id="{08E69DE2-6C1C-4A40-BD90-B4AB1943553E}" type="datetimeFigureOut">
               <a:rPr lang="ko-KR" altLang="en-US" smtClean="0"/>
-              <a:t>2023-10-19</a:t>
+              <a:t>2024-01-23</a:t>
             </a:fld>
             <a:endParaRPr lang="ko-KR" altLang="en-US"/>
           </a:p>
@@ -1030,7 +1030,7 @@
           <a:p>
             <a:fld id="{08E69DE2-6C1C-4A40-BD90-B4AB1943553E}" type="datetimeFigureOut">
               <a:rPr lang="ko-KR" altLang="en-US" smtClean="0"/>
-              <a:t>2023-10-19</a:t>
+              <a:t>2024-01-23</a:t>
             </a:fld>
             <a:endParaRPr lang="ko-KR" altLang="en-US"/>
           </a:p>
@@ -1262,7 +1262,7 @@
           <a:p>
             <a:fld id="{08E69DE2-6C1C-4A40-BD90-B4AB1943553E}" type="datetimeFigureOut">
               <a:rPr lang="ko-KR" altLang="en-US" smtClean="0"/>
-              <a:t>2023-10-19</a:t>
+              <a:t>2024-01-23</a:t>
             </a:fld>
             <a:endParaRPr lang="ko-KR" altLang="en-US"/>
           </a:p>
@@ -1629,7 +1629,7 @@
           <a:p>
             <a:fld id="{08E69DE2-6C1C-4A40-BD90-B4AB1943553E}" type="datetimeFigureOut">
               <a:rPr lang="ko-KR" altLang="en-US" smtClean="0"/>
-              <a:t>2023-10-19</a:t>
+              <a:t>2024-01-23</a:t>
             </a:fld>
             <a:endParaRPr lang="ko-KR" altLang="en-US"/>
           </a:p>
@@ -1747,7 +1747,7 @@
           <a:p>
             <a:fld id="{08E69DE2-6C1C-4A40-BD90-B4AB1943553E}" type="datetimeFigureOut">
               <a:rPr lang="ko-KR" altLang="en-US" smtClean="0"/>
-              <a:t>2023-10-19</a:t>
+              <a:t>2024-01-23</a:t>
             </a:fld>
             <a:endParaRPr lang="ko-KR" altLang="en-US"/>
           </a:p>
@@ -1842,7 +1842,7 @@
           <a:p>
             <a:fld id="{08E69DE2-6C1C-4A40-BD90-B4AB1943553E}" type="datetimeFigureOut">
               <a:rPr lang="ko-KR" altLang="en-US" smtClean="0"/>
-              <a:t>2023-10-19</a:t>
+              <a:t>2024-01-23</a:t>
             </a:fld>
             <a:endParaRPr lang="ko-KR" altLang="en-US"/>
           </a:p>
@@ -2119,7 +2119,7 @@
           <a:p>
             <a:fld id="{08E69DE2-6C1C-4A40-BD90-B4AB1943553E}" type="datetimeFigureOut">
               <a:rPr lang="ko-KR" altLang="en-US" smtClean="0"/>
-              <a:t>2023-10-19</a:t>
+              <a:t>2024-01-23</a:t>
             </a:fld>
             <a:endParaRPr lang="ko-KR" altLang="en-US"/>
           </a:p>
@@ -2372,7 +2372,7 @@
           <a:p>
             <a:fld id="{08E69DE2-6C1C-4A40-BD90-B4AB1943553E}" type="datetimeFigureOut">
               <a:rPr lang="ko-KR" altLang="en-US" smtClean="0"/>
-              <a:t>2023-10-19</a:t>
+              <a:t>2024-01-23</a:t>
             </a:fld>
             <a:endParaRPr lang="ko-KR" altLang="en-US"/>
           </a:p>
@@ -2585,7 +2585,7 @@
           <a:p>
             <a:fld id="{08E69DE2-6C1C-4A40-BD90-B4AB1943553E}" type="datetimeFigureOut">
               <a:rPr lang="ko-KR" altLang="en-US" smtClean="0"/>
-              <a:t>2023-10-19</a:t>
+              <a:t>2024-01-23</a:t>
             </a:fld>
             <a:endParaRPr lang="ko-KR" altLang="en-US"/>
           </a:p>
@@ -22253,23 +22253,7 @@
                   <a:schemeClr val="bg1"/>
                 </a:solidFill>
               </a:rPr>
-              <a:t>ite</a:t>
-            </a:r>
-            <a:r>
-              <a:rPr lang="en-US" altLang="ko-KR" dirty="0" smtClean="0">
-                <a:solidFill>
-                  <a:schemeClr val="bg1"/>
-                </a:solidFill>
-              </a:rPr>
-              <a:t> </a:t>
-            </a:r>
-            <a:r>
-              <a:rPr lang="en-US" altLang="ko-KR" dirty="0" smtClean="0">
-                <a:solidFill>
-                  <a:schemeClr val="bg1"/>
-                </a:solidFill>
-              </a:rPr>
-              <a:t>Story Board</a:t>
+              <a:t>ite Story Board</a:t>
             </a:r>
             <a:endParaRPr lang="ko-KR" altLang="en-US" dirty="0">
               <a:solidFill>
